--- a/Ruby Files/CMSC 331 Ruby Game Project.pptx
+++ b/Ruby Files/CMSC 331 Ruby Game Project.pptx
@@ -293,7 +293,7 @@
           <a:p>
             <a:fld id="{475FC589-9727-4CE1-81B2-E626F1E82C28}" type="datetimeFigureOut">
               <a:rPr lang="en-US" smtClean="0"/>
-              <a:t>12/10/2012</a:t>
+              <a:t>12/11/2012</a:t>
             </a:fld>
             <a:endParaRPr lang="en-US"/>
           </a:p>
@@ -463,7 +463,7 @@
           <a:p>
             <a:fld id="{475FC589-9727-4CE1-81B2-E626F1E82C28}" type="datetimeFigureOut">
               <a:rPr lang="en-US" smtClean="0"/>
-              <a:t>12/10/2012</a:t>
+              <a:t>12/11/2012</a:t>
             </a:fld>
             <a:endParaRPr lang="en-US"/>
           </a:p>
@@ -643,7 +643,7 @@
           <a:p>
             <a:fld id="{475FC589-9727-4CE1-81B2-E626F1E82C28}" type="datetimeFigureOut">
               <a:rPr lang="en-US" smtClean="0"/>
-              <a:t>12/10/2012</a:t>
+              <a:t>12/11/2012</a:t>
             </a:fld>
             <a:endParaRPr lang="en-US"/>
           </a:p>
@@ -813,7 +813,7 @@
           <a:p>
             <a:fld id="{475FC589-9727-4CE1-81B2-E626F1E82C28}" type="datetimeFigureOut">
               <a:rPr lang="en-US" smtClean="0"/>
-              <a:t>12/10/2012</a:t>
+              <a:t>12/11/2012</a:t>
             </a:fld>
             <a:endParaRPr lang="en-US"/>
           </a:p>
@@ -1059,7 +1059,7 @@
           <a:p>
             <a:fld id="{475FC589-9727-4CE1-81B2-E626F1E82C28}" type="datetimeFigureOut">
               <a:rPr lang="en-US" smtClean="0"/>
-              <a:t>12/10/2012</a:t>
+              <a:t>12/11/2012</a:t>
             </a:fld>
             <a:endParaRPr lang="en-US"/>
           </a:p>
@@ -1347,7 +1347,7 @@
           <a:p>
             <a:fld id="{475FC589-9727-4CE1-81B2-E626F1E82C28}" type="datetimeFigureOut">
               <a:rPr lang="en-US" smtClean="0"/>
-              <a:t>12/10/2012</a:t>
+              <a:t>12/11/2012</a:t>
             </a:fld>
             <a:endParaRPr lang="en-US"/>
           </a:p>
@@ -1769,7 +1769,7 @@
           <a:p>
             <a:fld id="{475FC589-9727-4CE1-81B2-E626F1E82C28}" type="datetimeFigureOut">
               <a:rPr lang="en-US" smtClean="0"/>
-              <a:t>12/10/2012</a:t>
+              <a:t>12/11/2012</a:t>
             </a:fld>
             <a:endParaRPr lang="en-US"/>
           </a:p>
@@ -1887,7 +1887,7 @@
           <a:p>
             <a:fld id="{475FC589-9727-4CE1-81B2-E626F1E82C28}" type="datetimeFigureOut">
               <a:rPr lang="en-US" smtClean="0"/>
-              <a:t>12/10/2012</a:t>
+              <a:t>12/11/2012</a:t>
             </a:fld>
             <a:endParaRPr lang="en-US"/>
           </a:p>
@@ -1982,7 +1982,7 @@
           <a:p>
             <a:fld id="{475FC589-9727-4CE1-81B2-E626F1E82C28}" type="datetimeFigureOut">
               <a:rPr lang="en-US" smtClean="0"/>
-              <a:t>12/10/2012</a:t>
+              <a:t>12/11/2012</a:t>
             </a:fld>
             <a:endParaRPr lang="en-US"/>
           </a:p>
@@ -2259,7 +2259,7 @@
           <a:p>
             <a:fld id="{475FC589-9727-4CE1-81B2-E626F1E82C28}" type="datetimeFigureOut">
               <a:rPr lang="en-US" smtClean="0"/>
-              <a:t>12/10/2012</a:t>
+              <a:t>12/11/2012</a:t>
             </a:fld>
             <a:endParaRPr lang="en-US"/>
           </a:p>
@@ -2512,7 +2512,7 @@
           <a:p>
             <a:fld id="{475FC589-9727-4CE1-81B2-E626F1E82C28}" type="datetimeFigureOut">
               <a:rPr lang="en-US" smtClean="0"/>
-              <a:t>12/10/2012</a:t>
+              <a:t>12/11/2012</a:t>
             </a:fld>
             <a:endParaRPr lang="en-US"/>
           </a:p>
@@ -2577,9 +2577,30 @@
 <p:sldMaster xmlns:a="http://schemas.openxmlformats.org/drawingml/2006/main" xmlns:r="http://schemas.openxmlformats.org/officeDocument/2006/relationships" xmlns:p="http://schemas.openxmlformats.org/presentationml/2006/main">
   <p:cSld>
     <p:bg>
-      <p:bgRef idx="1001">
-        <a:schemeClr val="bg1"/>
-      </p:bgRef>
+      <p:bgPr>
+        <a:gradFill flip="none" rotWithShape="1">
+          <a:gsLst>
+            <a:gs pos="0">
+              <a:srgbClr val="FFF200">
+                <a:lumMod val="27000"/>
+                <a:lumOff val="73000"/>
+              </a:srgbClr>
+            </a:gs>
+            <a:gs pos="45000">
+              <a:srgbClr val="FF7A00"/>
+            </a:gs>
+            <a:gs pos="70000">
+              <a:srgbClr val="FF0300"/>
+            </a:gs>
+            <a:gs pos="100000">
+              <a:srgbClr val="4D0808"/>
+            </a:gs>
+          </a:gsLst>
+          <a:lin ang="2700000" scaled="1"/>
+          <a:tileRect/>
+        </a:gradFill>
+        <a:effectLst/>
+      </p:bgPr>
     </p:bg>
     <p:spTree>
       <p:nvGrpSpPr>
@@ -2725,7 +2746,7 @@
           <a:p>
             <a:fld id="{475FC589-9727-4CE1-81B2-E626F1E82C28}" type="datetimeFigureOut">
               <a:rPr lang="en-US" smtClean="0"/>
-              <a:t>12/10/2012</a:t>
+              <a:t>12/11/2012</a:t>
             </a:fld>
             <a:endParaRPr lang="en-US"/>
           </a:p>
@@ -3116,10 +3137,16 @@
           <a:lstStyle/>
           <a:p>
             <a:r>
-              <a:rPr lang="en-US" dirty="0" smtClean="0"/>
+              <a:rPr lang="en-US" dirty="0" smtClean="0">
+                <a:latin typeface="Algerian" pitchFamily="82" charset="0"/>
+                <a:cs typeface="Aharoni" pitchFamily="2" charset="-79"/>
+              </a:rPr>
               <a:t>CMSC 331 Ruby Game Project</a:t>
             </a:r>
-            <a:endParaRPr lang="en-US" dirty="0"/>
+            <a:endParaRPr lang="en-US" dirty="0">
+              <a:latin typeface="Algerian" pitchFamily="82" charset="0"/>
+              <a:cs typeface="Aharoni" pitchFamily="2" charset="-79"/>
+            </a:endParaRPr>
           </a:p>
         </p:txBody>
       </p:sp>
@@ -3139,22 +3166,46 @@
           <a:lstStyle/>
           <a:p>
             <a:r>
-              <a:rPr lang="en-US" dirty="0" smtClean="0"/>
+              <a:rPr lang="en-US" dirty="0" smtClean="0">
+                <a:solidFill>
+                  <a:schemeClr val="tx1"/>
+                </a:solidFill>
+                <a:latin typeface="Aharoni" pitchFamily="2" charset="-79"/>
+                <a:cs typeface="Aharoni" pitchFamily="2" charset="-79"/>
+              </a:rPr>
               <a:t>Logan Adams</a:t>
             </a:r>
           </a:p>
           <a:p>
             <a:r>
-              <a:rPr lang="en-US" dirty="0" smtClean="0"/>
+              <a:rPr lang="en-US" dirty="0" smtClean="0">
+                <a:solidFill>
+                  <a:schemeClr val="tx1"/>
+                </a:solidFill>
+                <a:latin typeface="Aharoni" pitchFamily="2" charset="-79"/>
+                <a:cs typeface="Aharoni" pitchFamily="2" charset="-79"/>
+              </a:rPr>
               <a:t>Joseph Lamb</a:t>
             </a:r>
           </a:p>
           <a:p>
             <a:r>
-              <a:rPr lang="en-US" dirty="0" smtClean="0"/>
+              <a:rPr lang="en-US" dirty="0" smtClean="0">
+                <a:solidFill>
+                  <a:schemeClr val="tx1"/>
+                </a:solidFill>
+                <a:latin typeface="Aharoni" pitchFamily="2" charset="-79"/>
+                <a:cs typeface="Aharoni" pitchFamily="2" charset="-79"/>
+              </a:rPr>
               <a:t>Bryan Stetson</a:t>
             </a:r>
-            <a:endParaRPr lang="en-US" dirty="0"/>
+            <a:endParaRPr lang="en-US" dirty="0">
+              <a:solidFill>
+                <a:schemeClr val="tx1"/>
+              </a:solidFill>
+              <a:latin typeface="Aharoni" pitchFamily="2" charset="-79"/>
+              <a:cs typeface="Aharoni" pitchFamily="2" charset="-79"/>
+            </a:endParaRPr>
           </a:p>
         </p:txBody>
       </p:sp>
@@ -3226,7 +3277,7 @@
           <a:bodyPr/>
           <a:lstStyle/>
           <a:p>
-            <a:endParaRPr lang="en-US"/>
+            <a:endParaRPr lang="en-US" dirty="0"/>
           </a:p>
         </p:txBody>
       </p:sp>
@@ -3318,6 +3369,32 @@
               <a:rPr lang="en-US" dirty="0" err="1" smtClean="0"/>
               <a:t>Github</a:t>
             </a:r>
+            <a:r>
+              <a:rPr lang="en-US" dirty="0" smtClean="0"/>
+              <a:t> (and dealing with app)</a:t>
+            </a:r>
+          </a:p>
+          <a:p>
+            <a:r>
+              <a:rPr lang="en-US" dirty="0" smtClean="0"/>
+              <a:t>Learning </a:t>
+            </a:r>
+            <a:r>
+              <a:rPr lang="en-US" dirty="0" err="1" smtClean="0"/>
+              <a:t>wxRuby</a:t>
+            </a:r>
+            <a:r>
+              <a:rPr lang="en-US" dirty="0" smtClean="0"/>
+              <a:t> syntax</a:t>
+            </a:r>
+          </a:p>
+          <a:p>
+            <a:r>
+              <a:rPr lang="en-US" dirty="0" smtClean="0"/>
+              <a:t>Programming same project on multiple IDEs</a:t>
+            </a:r>
+          </a:p>
+          <a:p>
             <a:endParaRPr lang="en-US" dirty="0"/>
           </a:p>
         </p:txBody>
@@ -3391,17 +3468,25 @@
           <a:lstStyle/>
           <a:p>
             <a:r>
+              <a:rPr lang="en-US" dirty="0"/>
+              <a:t>More careful planning</a:t>
+            </a:r>
+          </a:p>
+          <a:p>
+            <a:r>
+              <a:rPr lang="en-US" dirty="0"/>
+              <a:t>More memory efficiency</a:t>
+            </a:r>
+          </a:p>
+          <a:p>
+            <a:r>
+              <a:rPr lang="en-US" dirty="0"/>
+              <a:t>Less </a:t>
+            </a:r>
+            <a:r>
               <a:rPr lang="en-US" dirty="0" smtClean="0"/>
-              <a:t>Cover basic syntax before starting project</a:t>
-            </a:r>
-          </a:p>
-          <a:p>
-            <a:r>
-              <a:rPr lang="en-US" dirty="0" smtClean="0"/>
-              <a:t>More uniformity</a:t>
-            </a:r>
-          </a:p>
-          <a:p>
+              <a:t>redundancy</a:t>
+            </a:r>
             <a:endParaRPr lang="en-US" dirty="0"/>
           </a:p>
         </p:txBody>
@@ -3554,21 +3639,32 @@
             <p:ph idx="1"/>
           </p:nvPr>
         </p:nvSpPr>
-        <p:spPr/>
-        <p:txBody>
-          <a:bodyPr/>
+        <p:spPr>
+          <a:xfrm>
+            <a:off x="457200" y="1371600"/>
+            <a:ext cx="8229600" cy="4953000"/>
+          </a:xfrm>
+        </p:spPr>
+        <p:txBody>
+          <a:bodyPr>
+            <a:normAutofit/>
+          </a:bodyPr>
           <a:lstStyle/>
           <a:p>
             <a:r>
               <a:rPr lang="en-US" dirty="0" smtClean="0"/>
-              <a:t>Logan – System design</a:t>
+              <a:t>Logan</a:t>
             </a:r>
           </a:p>
           <a:p>
             <a:pPr lvl="1"/>
             <a:r>
               <a:rPr lang="en-US" dirty="0" smtClean="0"/>
-              <a:t>Game board functions</a:t>
+              <a:t>Game </a:t>
+            </a:r>
+            <a:r>
+              <a:rPr lang="en-US" dirty="0" smtClean="0"/>
+              <a:t>board functions</a:t>
             </a:r>
           </a:p>
           <a:p>
@@ -3585,10 +3681,60 @@
             </a:r>
           </a:p>
           <a:p>
+            <a:pPr lvl="1"/>
+            <a:r>
+              <a:rPr lang="en-US" dirty="0" smtClean="0"/>
+              <a:t>GUI </a:t>
+            </a:r>
+            <a:r>
+              <a:rPr lang="en-US" dirty="0" smtClean="0"/>
+              <a:t>(</a:t>
+            </a:r>
+            <a:r>
+              <a:rPr lang="en-US" dirty="0" err="1" smtClean="0"/>
+              <a:t>wxRuby</a:t>
+            </a:r>
+            <a:r>
+              <a:rPr lang="en-US" dirty="0"/>
+              <a:t>)</a:t>
+            </a:r>
+          </a:p>
+          <a:p>
+            <a:pPr lvl="1"/>
+            <a:r>
+              <a:rPr lang="en-US" dirty="0" smtClean="0"/>
+              <a:t>Piece image compilation</a:t>
+            </a:r>
+            <a:endParaRPr lang="en-US" dirty="0"/>
+          </a:p>
+          <a:p>
             <a:r>
               <a:rPr lang="en-US" dirty="0" smtClean="0"/>
               <a:t>Joey</a:t>
             </a:r>
+          </a:p>
+          <a:p>
+            <a:pPr lvl="1"/>
+            <a:r>
+              <a:rPr lang="en-US" dirty="0" smtClean="0"/>
+              <a:t>GUI hash methods</a:t>
+            </a:r>
+          </a:p>
+          <a:p>
+            <a:pPr lvl="1"/>
+            <a:r>
+              <a:rPr lang="en-US" dirty="0" smtClean="0"/>
+              <a:t>Testing and </a:t>
+            </a:r>
+            <a:r>
+              <a:rPr lang="en-US" dirty="0"/>
+              <a:t>c</a:t>
+            </a:r>
+            <a:r>
+              <a:rPr lang="en-US" dirty="0" smtClean="0"/>
+              <a:t>ode inspection</a:t>
+            </a:r>
+            <a:endParaRPr lang="en-US" dirty="0" smtClean="0"/>
           </a:p>
         </p:txBody>
       </p:sp>
